--- a/presentation/7.20/新建 Microsoft PowerPoint 演示文稿.pptx
+++ b/presentation/7.20/新建 Microsoft PowerPoint 演示文稿.pptx
@@ -5,9 +5,12 @@
     <p:sldMasterId id="2147483648" r:id="rId1"/>
   </p:sldMasterIdLst>
   <p:sldIdLst>
-    <p:sldId id="256" r:id="rId2"/>
-    <p:sldId id="257" r:id="rId3"/>
-    <p:sldId id="258" r:id="rId4"/>
+    <p:sldId id="257" r:id="rId2"/>
+    <p:sldId id="258" r:id="rId3"/>
+    <p:sldId id="259" r:id="rId4"/>
+    <p:sldId id="260" r:id="rId5"/>
+    <p:sldId id="261" r:id="rId6"/>
+    <p:sldId id="262" r:id="rId7"/>
   </p:sldIdLst>
   <p:sldSz cx="12192000" cy="6858000"/>
   <p:notesSz cx="6858000" cy="9144000"/>
@@ -261,7 +264,7 @@
           <a:p>
             <a:fld id="{6A7C668D-BE6A-4270-B4FF-F01EC5C9402C}" type="datetimeFigureOut">
               <a:rPr lang="zh-CN" altLang="en-US" smtClean="0"/>
-              <a:t>2022/7/19</a:t>
+              <a:t>2022/7/27</a:t>
             </a:fld>
             <a:endParaRPr lang="zh-CN" altLang="en-US"/>
           </a:p>
@@ -459,7 +462,7 @@
           <a:p>
             <a:fld id="{6A7C668D-BE6A-4270-B4FF-F01EC5C9402C}" type="datetimeFigureOut">
               <a:rPr lang="zh-CN" altLang="en-US" smtClean="0"/>
-              <a:t>2022/7/19</a:t>
+              <a:t>2022/7/27</a:t>
             </a:fld>
             <a:endParaRPr lang="zh-CN" altLang="en-US"/>
           </a:p>
@@ -667,7 +670,7 @@
           <a:p>
             <a:fld id="{6A7C668D-BE6A-4270-B4FF-F01EC5C9402C}" type="datetimeFigureOut">
               <a:rPr lang="zh-CN" altLang="en-US" smtClean="0"/>
-              <a:t>2022/7/19</a:t>
+              <a:t>2022/7/27</a:t>
             </a:fld>
             <a:endParaRPr lang="zh-CN" altLang="en-US"/>
           </a:p>
@@ -865,7 +868,7 @@
           <a:p>
             <a:fld id="{6A7C668D-BE6A-4270-B4FF-F01EC5C9402C}" type="datetimeFigureOut">
               <a:rPr lang="zh-CN" altLang="en-US" smtClean="0"/>
-              <a:t>2022/7/19</a:t>
+              <a:t>2022/7/27</a:t>
             </a:fld>
             <a:endParaRPr lang="zh-CN" altLang="en-US"/>
           </a:p>
@@ -1140,7 +1143,7 @@
           <a:p>
             <a:fld id="{6A7C668D-BE6A-4270-B4FF-F01EC5C9402C}" type="datetimeFigureOut">
               <a:rPr lang="zh-CN" altLang="en-US" smtClean="0"/>
-              <a:t>2022/7/19</a:t>
+              <a:t>2022/7/27</a:t>
             </a:fld>
             <a:endParaRPr lang="zh-CN" altLang="en-US"/>
           </a:p>
@@ -1405,7 +1408,7 @@
           <a:p>
             <a:fld id="{6A7C668D-BE6A-4270-B4FF-F01EC5C9402C}" type="datetimeFigureOut">
               <a:rPr lang="zh-CN" altLang="en-US" smtClean="0"/>
-              <a:t>2022/7/19</a:t>
+              <a:t>2022/7/27</a:t>
             </a:fld>
             <a:endParaRPr lang="zh-CN" altLang="en-US"/>
           </a:p>
@@ -1817,7 +1820,7 @@
           <a:p>
             <a:fld id="{6A7C668D-BE6A-4270-B4FF-F01EC5C9402C}" type="datetimeFigureOut">
               <a:rPr lang="zh-CN" altLang="en-US" smtClean="0"/>
-              <a:t>2022/7/19</a:t>
+              <a:t>2022/7/27</a:t>
             </a:fld>
             <a:endParaRPr lang="zh-CN" altLang="en-US"/>
           </a:p>
@@ -1958,7 +1961,7 @@
           <a:p>
             <a:fld id="{6A7C668D-BE6A-4270-B4FF-F01EC5C9402C}" type="datetimeFigureOut">
               <a:rPr lang="zh-CN" altLang="en-US" smtClean="0"/>
-              <a:t>2022/7/19</a:t>
+              <a:t>2022/7/27</a:t>
             </a:fld>
             <a:endParaRPr lang="zh-CN" altLang="en-US"/>
           </a:p>
@@ -2071,7 +2074,7 @@
           <a:p>
             <a:fld id="{6A7C668D-BE6A-4270-B4FF-F01EC5C9402C}" type="datetimeFigureOut">
               <a:rPr lang="zh-CN" altLang="en-US" smtClean="0"/>
-              <a:t>2022/7/19</a:t>
+              <a:t>2022/7/27</a:t>
             </a:fld>
             <a:endParaRPr lang="zh-CN" altLang="en-US"/>
           </a:p>
@@ -2382,7 +2385,7 @@
           <a:p>
             <a:fld id="{6A7C668D-BE6A-4270-B4FF-F01EC5C9402C}" type="datetimeFigureOut">
               <a:rPr lang="zh-CN" altLang="en-US" smtClean="0"/>
-              <a:t>2022/7/19</a:t>
+              <a:t>2022/7/27</a:t>
             </a:fld>
             <a:endParaRPr lang="zh-CN" altLang="en-US"/>
           </a:p>
@@ -2670,7 +2673,7 @@
           <a:p>
             <a:fld id="{6A7C668D-BE6A-4270-B4FF-F01EC5C9402C}" type="datetimeFigureOut">
               <a:rPr lang="zh-CN" altLang="en-US" smtClean="0"/>
-              <a:t>2022/7/19</a:t>
+              <a:t>2022/7/27</a:t>
             </a:fld>
             <a:endParaRPr lang="zh-CN" altLang="en-US"/>
           </a:p>
@@ -2911,7 +2914,7 @@
           <a:p>
             <a:fld id="{6A7C668D-BE6A-4270-B4FF-F01EC5C9402C}" type="datetimeFigureOut">
               <a:rPr lang="zh-CN" altLang="en-US" smtClean="0"/>
-              <a:t>2022/7/19</a:t>
+              <a:t>2022/7/27</a:t>
             </a:fld>
             <a:endParaRPr lang="zh-CN" altLang="en-US"/>
           </a:p>
@@ -3333,15 +3336,15 @@
           <p:cNvPr id="2" name="标题 1">
             <a:extLst>
               <a:ext uri="{FF2B5EF4-FFF2-40B4-BE49-F238E27FC236}">
-                <a16:creationId xmlns:a16="http://schemas.microsoft.com/office/drawing/2014/main" id="{C642B10A-E813-7754-C3E8-B1048421C136}"/>
-              </a:ext>
-            </a:extLst>
-          </p:cNvPr>
-          <p:cNvSpPr>
-            <a:spLocks noGrp="1"/>
-          </p:cNvSpPr>
-          <p:nvPr>
-            <p:ph type="ctrTitle"/>
+                <a16:creationId xmlns:a16="http://schemas.microsoft.com/office/drawing/2014/main" id="{A4B16795-2BFC-6503-1126-C9076B548C4C}"/>
+              </a:ext>
+            </a:extLst>
+          </p:cNvPr>
+          <p:cNvSpPr>
+            <a:spLocks noGrp="1"/>
+          </p:cNvSpPr>
+          <p:nvPr>
+            <p:ph type="title"/>
           </p:nvPr>
         </p:nvSpPr>
         <p:spPr/>
@@ -3349,103 +3352,180 @@
           <a:bodyPr/>
           <a:lstStyle/>
           <a:p>
+            <a:r>
+              <a:rPr lang="en-US" altLang="zh-CN" dirty="0" err="1"/>
+              <a:t>regulization</a:t>
+            </a:r>
             <a:endParaRPr lang="zh-CN" altLang="en-US" dirty="0"/>
           </a:p>
         </p:txBody>
       </p:sp>
       <p:sp>
         <p:nvSpPr>
-          <p:cNvPr id="3" name="副标题 2">
-            <a:extLst>
-              <a:ext uri="{FF2B5EF4-FFF2-40B4-BE49-F238E27FC236}">
-                <a16:creationId xmlns:a16="http://schemas.microsoft.com/office/drawing/2014/main" id="{019F6185-6B32-D855-9D21-46106307D686}"/>
-              </a:ext>
-            </a:extLst>
-          </p:cNvPr>
-          <p:cNvSpPr>
-            <a:spLocks noGrp="1"/>
-          </p:cNvSpPr>
-          <p:nvPr>
-            <p:ph type="subTitle" idx="1"/>
+          <p:cNvPr id="3" name="内容占位符 2">
+            <a:extLst>
+              <a:ext uri="{FF2B5EF4-FFF2-40B4-BE49-F238E27FC236}">
+                <a16:creationId xmlns:a16="http://schemas.microsoft.com/office/drawing/2014/main" id="{CDEC4D58-66F9-D95F-74A3-CC591B8033C8}"/>
+              </a:ext>
+            </a:extLst>
+          </p:cNvPr>
+          <p:cNvSpPr>
+            <a:spLocks noGrp="1"/>
+          </p:cNvSpPr>
+          <p:nvPr>
+            <p:ph idx="1"/>
           </p:nvPr>
         </p:nvSpPr>
         <p:spPr/>
         <p:txBody>
-          <a:bodyPr/>
-          <a:lstStyle/>
-          <a:p>
+          <a:bodyPr>
+            <a:normAutofit fontScale="55000" lnSpcReduction="20000"/>
+          </a:bodyPr>
+          <a:lstStyle/>
+          <a:p>
+            <a:r>
+              <a:rPr lang="en-US" altLang="zh-CN" dirty="0"/>
+              <a:t>Set negative to 0</a:t>
+            </a:r>
+          </a:p>
+          <a:p>
+            <a:r>
+              <a:rPr lang="en-US" altLang="zh-CN" dirty="0"/>
+              <a:t>Set &gt;1 to 1</a:t>
+            </a:r>
+          </a:p>
+          <a:p>
+            <a:r>
+              <a:rPr lang="en-US" altLang="zh-CN" dirty="0"/>
+              <a:t>…</a:t>
+            </a:r>
+          </a:p>
+          <a:p>
+            <a:r>
+              <a:rPr lang="en-US" altLang="zh-CN" dirty="0"/>
+              <a:t>There is a thing I haven’t done:</a:t>
+            </a:r>
+          </a:p>
+          <a:p>
+            <a:r>
+              <a:rPr lang="en-US" altLang="zh-CN" dirty="0"/>
+              <a:t>When normalize it( sum of fraction to</a:t>
+            </a:r>
+          </a:p>
+          <a:p>
+            <a:pPr marL="0" indent="0">
+              <a:buNone/>
+            </a:pPr>
+            <a:r>
+              <a:rPr lang="en-US" altLang="zh-CN" dirty="0"/>
+              <a:t>be one, some times the result get worse</a:t>
+            </a:r>
+          </a:p>
+          <a:p>
+            <a:pPr marL="0" indent="0">
+              <a:buNone/>
+            </a:pPr>
+            <a:r>
+              <a:rPr lang="en-US" altLang="zh-CN" dirty="0"/>
+              <a:t>I think it is because the data structure:</a:t>
+            </a:r>
+          </a:p>
+          <a:p>
+            <a:pPr marL="0" indent="0">
+              <a:buNone/>
+            </a:pPr>
+            <a:r>
+              <a:rPr lang="en-US" altLang="zh-CN" dirty="0"/>
+              <a:t>When there are no liquid, the fraction will jump to</a:t>
+            </a:r>
+          </a:p>
+          <a:p>
+            <a:pPr marL="0" indent="0">
+              <a:buNone/>
+            </a:pPr>
+            <a:r>
+              <a:rPr lang="en-US" altLang="zh-CN" dirty="0"/>
+              <a:t>Zero and maybe it is hard for model to understand what happened</a:t>
+            </a:r>
+          </a:p>
+          <a:p>
+            <a:pPr marL="0" indent="0">
+              <a:buNone/>
+            </a:pPr>
+            <a:r>
+              <a:rPr lang="en-US" altLang="zh-CN" dirty="0"/>
+              <a:t>(</a:t>
+            </a:r>
+            <a:r>
+              <a:rPr lang="en-US" altLang="zh-CN" dirty="0" err="1"/>
+              <a:t>ie</a:t>
+            </a:r>
+            <a:r>
+              <a:rPr lang="en-US" altLang="zh-CN" dirty="0"/>
+              <a:t>: When liquid: gas [0.999:0.001] -&gt; [1:0] the material component fraction in</a:t>
+            </a:r>
+          </a:p>
+          <a:p>
+            <a:pPr marL="0" indent="0">
+              <a:buNone/>
+            </a:pPr>
+            <a:r>
+              <a:rPr lang="en-US" altLang="zh-CN" dirty="0"/>
+              <a:t>Gas will fall [0,0] directly</a:t>
+            </a:r>
+          </a:p>
+          <a:p>
+            <a:endParaRPr lang="en-US" altLang="zh-CN" dirty="0"/>
+          </a:p>
+          <a:p>
+            <a:endParaRPr lang="en-US" altLang="zh-CN" dirty="0"/>
+          </a:p>
+          <a:p>
+            <a:endParaRPr lang="en-US" altLang="zh-CN" dirty="0"/>
+          </a:p>
+          <a:p>
+            <a:r>
+              <a:rPr lang="en-US" altLang="zh-CN" dirty="0"/>
+              <a:t>after</a:t>
+            </a:r>
             <a:endParaRPr lang="zh-CN" altLang="en-US" dirty="0"/>
           </a:p>
         </p:txBody>
       </p:sp>
-      <p:graphicFrame>
-        <p:nvGraphicFramePr>
-          <p:cNvPr id="4" name="对象 3">
-            <a:hlinkClick r:id="" action="ppaction://ole?verb=0"/>
-            <a:extLst>
-              <a:ext uri="{FF2B5EF4-FFF2-40B4-BE49-F238E27FC236}">
-                <a16:creationId xmlns:a16="http://schemas.microsoft.com/office/drawing/2014/main" id="{5A5461D2-BCAC-717D-4F1C-12EB2D291984}"/>
-              </a:ext>
-            </a:extLst>
-          </p:cNvPr>
-          <p:cNvGraphicFramePr>
-            <a:graphicFrameLocks noChangeAspect="1"/>
-          </p:cNvGraphicFramePr>
-          <p:nvPr>
-            <p:extLst>
-              <p:ext uri="{D42A27DB-BD31-4B8C-83A1-F6EECF244321}">
-                <p14:modId xmlns:p14="http://schemas.microsoft.com/office/powerpoint/2010/main" val="4157819283"/>
-              </p:ext>
-            </p:extLst>
-          </p:nvPr>
-        </p:nvGraphicFramePr>
-        <p:xfrm>
-          <a:off x="2387405" y="2316163"/>
-          <a:ext cx="6096000" cy="3429000"/>
-        </p:xfrm>
-        <a:graphic>
-          <a:graphicData uri="http://schemas.openxmlformats.org/presentationml/2006/ole">
-            <mc:AlternateContent xmlns:mc="http://schemas.openxmlformats.org/markup-compatibility/2006">
-              <mc:Choice xmlns:v="urn:schemas-microsoft-com:vml" Requires="v">
-                <p:oleObj name="Presentation" r:id="rId2" imgW="6095975" imgH="3429123" progId="PowerPoint.Show.12">
-                  <p:embed/>
-                </p:oleObj>
-              </mc:Choice>
-              <mc:Fallback>
-                <p:oleObj name="Presentation" r:id="rId2" imgW="6095975" imgH="3429123" progId="PowerPoint.Show.12">
-                  <p:embed/>
-                  <p:pic>
-                    <p:nvPicPr>
-                      <p:cNvPr id="0" name=""/>
-                      <p:cNvPicPr/>
-                      <p:nvPr/>
-                    </p:nvPicPr>
-                    <p:blipFill>
-                      <a:blip r:embed="rId3"/>
-                      <a:stretch>
-                        <a:fillRect/>
-                      </a:stretch>
-                    </p:blipFill>
-                    <p:spPr>
-                      <a:xfrm>
-                        <a:off x="2387405" y="2316163"/>
-                        <a:ext cx="6096000" cy="3429000"/>
-                      </a:xfrm>
-                      <a:prstGeom prst="rect">
-                        <a:avLst/>
-                      </a:prstGeom>
-                    </p:spPr>
-                  </p:pic>
-                </p:oleObj>
-              </mc:Fallback>
-            </mc:AlternateContent>
-          </a:graphicData>
-        </a:graphic>
-      </p:graphicFrame>
+      <p:pic>
+        <p:nvPicPr>
+          <p:cNvPr id="11" name="图片 10">
+            <a:extLst>
+              <a:ext uri="{FF2B5EF4-FFF2-40B4-BE49-F238E27FC236}">
+                <a16:creationId xmlns:a16="http://schemas.microsoft.com/office/drawing/2014/main" id="{835EB8DD-A216-D609-0C46-4A61840CA499}"/>
+              </a:ext>
+            </a:extLst>
+          </p:cNvPr>
+          <p:cNvPicPr>
+            <a:picLocks noChangeAspect="1"/>
+          </p:cNvPicPr>
+          <p:nvPr/>
+        </p:nvPicPr>
+        <p:blipFill>
+          <a:blip r:embed="rId2"/>
+          <a:stretch>
+            <a:fillRect/>
+          </a:stretch>
+        </p:blipFill>
+        <p:spPr>
+          <a:xfrm>
+            <a:off x="4610381" y="471487"/>
+            <a:ext cx="6848617" cy="3076820"/>
+          </a:xfrm>
+          <a:prstGeom prst="rect">
+            <a:avLst/>
+          </a:prstGeom>
+        </p:spPr>
+      </p:pic>
     </p:spTree>
     <p:extLst>
       <p:ext uri="{BB962C8B-B14F-4D97-AF65-F5344CB8AC3E}">
-        <p14:creationId xmlns:p14="http://schemas.microsoft.com/office/powerpoint/2010/main" val="4222747994"/>
+        <p14:creationId xmlns:p14="http://schemas.microsoft.com/office/powerpoint/2010/main" val="4170749196"/>
       </p:ext>
     </p:extLst>
   </p:cSld>
@@ -3472,85 +3552,12 @@
           <a:chExt cx="0" cy="0"/>
         </a:xfrm>
       </p:grpSpPr>
-      <p:sp>
-        <p:nvSpPr>
-          <p:cNvPr id="2" name="标题 1">
-            <a:extLst>
-              <a:ext uri="{FF2B5EF4-FFF2-40B4-BE49-F238E27FC236}">
-                <a16:creationId xmlns:a16="http://schemas.microsoft.com/office/drawing/2014/main" id="{A4B16795-2BFC-6503-1126-C9076B548C4C}"/>
-              </a:ext>
-            </a:extLst>
-          </p:cNvPr>
-          <p:cNvSpPr>
-            <a:spLocks noGrp="1"/>
-          </p:cNvSpPr>
-          <p:nvPr>
-            <p:ph type="title"/>
-          </p:nvPr>
-        </p:nvSpPr>
-        <p:spPr/>
-        <p:txBody>
-          <a:bodyPr/>
-          <a:lstStyle/>
-          <a:p>
-            <a:r>
-              <a:rPr lang="en-US" altLang="zh-CN" dirty="0"/>
-              <a:t>normalization</a:t>
-            </a:r>
-            <a:endParaRPr lang="zh-CN" altLang="en-US" dirty="0"/>
-          </a:p>
-        </p:txBody>
-      </p:sp>
-      <p:sp>
-        <p:nvSpPr>
-          <p:cNvPr id="3" name="内容占位符 2">
-            <a:extLst>
-              <a:ext uri="{FF2B5EF4-FFF2-40B4-BE49-F238E27FC236}">
-                <a16:creationId xmlns:a16="http://schemas.microsoft.com/office/drawing/2014/main" id="{CDEC4D58-66F9-D95F-74A3-CC591B8033C8}"/>
-              </a:ext>
-            </a:extLst>
-          </p:cNvPr>
-          <p:cNvSpPr>
-            <a:spLocks noGrp="1"/>
-          </p:cNvSpPr>
-          <p:nvPr>
-            <p:ph idx="1"/>
-          </p:nvPr>
-        </p:nvSpPr>
-        <p:spPr/>
-        <p:txBody>
-          <a:bodyPr/>
-          <a:lstStyle/>
-          <a:p>
-            <a:r>
-              <a:rPr lang="en-US" altLang="zh-CN" dirty="0"/>
-              <a:t>Before</a:t>
-            </a:r>
-          </a:p>
-          <a:p>
-            <a:endParaRPr lang="en-US" altLang="zh-CN" dirty="0"/>
-          </a:p>
-          <a:p>
-            <a:endParaRPr lang="en-US" altLang="zh-CN" dirty="0"/>
-          </a:p>
-          <a:p>
-            <a:endParaRPr lang="en-US" altLang="zh-CN" dirty="0"/>
-          </a:p>
-          <a:p>
-            <a:r>
-              <a:rPr lang="en-US" altLang="zh-CN" dirty="0"/>
-              <a:t>after</a:t>
-            </a:r>
-            <a:endParaRPr lang="zh-CN" altLang="en-US" dirty="0"/>
-          </a:p>
-        </p:txBody>
-      </p:sp>
       <p:pic>
         <p:nvPicPr>
-          <p:cNvPr id="5" name="图片 4">
-            <a:extLst>
-              <a:ext uri="{FF2B5EF4-FFF2-40B4-BE49-F238E27FC236}">
-                <a16:creationId xmlns:a16="http://schemas.microsoft.com/office/drawing/2014/main" id="{2B6A22D7-D8FE-8D52-5D43-937D3949BFD9}"/>
+          <p:cNvPr id="12" name="图片 11">
+            <a:extLst>
+              <a:ext uri="{FF2B5EF4-FFF2-40B4-BE49-F238E27FC236}">
+                <a16:creationId xmlns:a16="http://schemas.microsoft.com/office/drawing/2014/main" id="{6A51121B-4CC0-1B5C-E1D3-F3FBC98FDC4C}"/>
               </a:ext>
             </a:extLst>
           </p:cNvPr>
@@ -3567,8 +3574,8 @@
         </p:blipFill>
         <p:spPr>
           <a:xfrm>
-            <a:off x="2828337" y="1690688"/>
-            <a:ext cx="5639587" cy="1438476"/>
+            <a:off x="9101426" y="4902992"/>
+            <a:ext cx="3530600" cy="2647950"/>
           </a:xfrm>
           <a:prstGeom prst="rect">
             <a:avLst/>
@@ -3577,10 +3584,10 @@
       </p:pic>
       <p:pic>
         <p:nvPicPr>
-          <p:cNvPr id="7" name="图片 6">
-            <a:extLst>
-              <a:ext uri="{FF2B5EF4-FFF2-40B4-BE49-F238E27FC236}">
-                <a16:creationId xmlns:a16="http://schemas.microsoft.com/office/drawing/2014/main" id="{C3F78725-F30E-1BD8-0E80-AA908F693979}"/>
+          <p:cNvPr id="14" name="图片 13">
+            <a:extLst>
+              <a:ext uri="{FF2B5EF4-FFF2-40B4-BE49-F238E27FC236}">
+                <a16:creationId xmlns:a16="http://schemas.microsoft.com/office/drawing/2014/main" id="{0CB0D983-41C7-2B63-E4A6-DFF96C1F660A}"/>
               </a:ext>
             </a:extLst>
           </p:cNvPr>
@@ -3597,8 +3604,188 @@
         </p:blipFill>
         <p:spPr>
           <a:xfrm>
-            <a:off x="2828337" y="3596562"/>
-            <a:ext cx="5639587" cy="1446805"/>
+            <a:off x="5615276" y="4919661"/>
+            <a:ext cx="3486150" cy="2614613"/>
+          </a:xfrm>
+          <a:prstGeom prst="rect">
+            <a:avLst/>
+          </a:prstGeom>
+        </p:spPr>
+      </p:pic>
+      <p:pic>
+        <p:nvPicPr>
+          <p:cNvPr id="16" name="图片 15">
+            <a:extLst>
+              <a:ext uri="{FF2B5EF4-FFF2-40B4-BE49-F238E27FC236}">
+                <a16:creationId xmlns:a16="http://schemas.microsoft.com/office/drawing/2014/main" id="{C03EECA6-B0C1-71FB-8ED6-AF013DBCC1CD}"/>
+              </a:ext>
+            </a:extLst>
+          </p:cNvPr>
+          <p:cNvPicPr>
+            <a:picLocks noChangeAspect="1"/>
+          </p:cNvPicPr>
+          <p:nvPr/>
+        </p:nvPicPr>
+        <p:blipFill>
+          <a:blip r:embed="rId4"/>
+          <a:stretch>
+            <a:fillRect/>
+          </a:stretch>
+        </p:blipFill>
+        <p:spPr>
+          <a:xfrm>
+            <a:off x="1867448" y="4919661"/>
+            <a:ext cx="3225800" cy="2419350"/>
+          </a:xfrm>
+          <a:prstGeom prst="rect">
+            <a:avLst/>
+          </a:prstGeom>
+        </p:spPr>
+      </p:pic>
+      <p:pic>
+        <p:nvPicPr>
+          <p:cNvPr id="18" name="图片 17">
+            <a:extLst>
+              <a:ext uri="{FF2B5EF4-FFF2-40B4-BE49-F238E27FC236}">
+                <a16:creationId xmlns:a16="http://schemas.microsoft.com/office/drawing/2014/main" id="{DB2FA6B4-90BC-30C1-408C-965510C28A31}"/>
+              </a:ext>
+            </a:extLst>
+          </p:cNvPr>
+          <p:cNvPicPr>
+            <a:picLocks noChangeAspect="1"/>
+          </p:cNvPicPr>
+          <p:nvPr/>
+        </p:nvPicPr>
+        <p:blipFill>
+          <a:blip r:embed="rId5"/>
+          <a:stretch>
+            <a:fillRect/>
+          </a:stretch>
+        </p:blipFill>
+        <p:spPr>
+          <a:xfrm>
+            <a:off x="-699110" y="615067"/>
+            <a:ext cx="3528724" cy="2646543"/>
+          </a:xfrm>
+          <a:prstGeom prst="rect">
+            <a:avLst/>
+          </a:prstGeom>
+        </p:spPr>
+      </p:pic>
+      <p:pic>
+        <p:nvPicPr>
+          <p:cNvPr id="20" name="图片 19">
+            <a:extLst>
+              <a:ext uri="{FF2B5EF4-FFF2-40B4-BE49-F238E27FC236}">
+                <a16:creationId xmlns:a16="http://schemas.microsoft.com/office/drawing/2014/main" id="{31BE0705-1110-17D6-9E09-83B16712FEE8}"/>
+              </a:ext>
+            </a:extLst>
+          </p:cNvPr>
+          <p:cNvPicPr>
+            <a:picLocks noChangeAspect="1"/>
+          </p:cNvPicPr>
+          <p:nvPr/>
+        </p:nvPicPr>
+        <p:blipFill>
+          <a:blip r:embed="rId6"/>
+          <a:stretch>
+            <a:fillRect/>
+          </a:stretch>
+        </p:blipFill>
+        <p:spPr>
+          <a:xfrm>
+            <a:off x="2121620" y="185654"/>
+            <a:ext cx="3299461" cy="2474596"/>
+          </a:xfrm>
+          <a:prstGeom prst="rect">
+            <a:avLst/>
+          </a:prstGeom>
+        </p:spPr>
+      </p:pic>
+      <p:pic>
+        <p:nvPicPr>
+          <p:cNvPr id="22" name="图片 21">
+            <a:extLst>
+              <a:ext uri="{FF2B5EF4-FFF2-40B4-BE49-F238E27FC236}">
+                <a16:creationId xmlns:a16="http://schemas.microsoft.com/office/drawing/2014/main" id="{6623CD5C-6683-2008-EFE8-54E77331419E}"/>
+              </a:ext>
+            </a:extLst>
+          </p:cNvPr>
+          <p:cNvPicPr>
+            <a:picLocks noChangeAspect="1"/>
+          </p:cNvPicPr>
+          <p:nvPr/>
+        </p:nvPicPr>
+        <p:blipFill>
+          <a:blip r:embed="rId7"/>
+          <a:stretch>
+            <a:fillRect/>
+          </a:stretch>
+        </p:blipFill>
+        <p:spPr>
+          <a:xfrm>
+            <a:off x="5768169" y="-179630"/>
+            <a:ext cx="3528725" cy="2646544"/>
+          </a:xfrm>
+          <a:prstGeom prst="rect">
+            <a:avLst/>
+          </a:prstGeom>
+        </p:spPr>
+      </p:pic>
+      <p:pic>
+        <p:nvPicPr>
+          <p:cNvPr id="24" name="图片 23">
+            <a:extLst>
+              <a:ext uri="{FF2B5EF4-FFF2-40B4-BE49-F238E27FC236}">
+                <a16:creationId xmlns:a16="http://schemas.microsoft.com/office/drawing/2014/main" id="{A639E7BF-2E00-E844-B738-EB79D607718C}"/>
+              </a:ext>
+            </a:extLst>
+          </p:cNvPr>
+          <p:cNvPicPr>
+            <a:picLocks noChangeAspect="1"/>
+          </p:cNvPicPr>
+          <p:nvPr/>
+        </p:nvPicPr>
+        <p:blipFill>
+          <a:blip r:embed="rId8"/>
+          <a:stretch>
+            <a:fillRect/>
+          </a:stretch>
+        </p:blipFill>
+        <p:spPr>
+          <a:xfrm>
+            <a:off x="1867448" y="2661617"/>
+            <a:ext cx="3299461" cy="2474595"/>
+          </a:xfrm>
+          <a:prstGeom prst="rect">
+            <a:avLst/>
+          </a:prstGeom>
+        </p:spPr>
+      </p:pic>
+      <p:pic>
+        <p:nvPicPr>
+          <p:cNvPr id="26" name="图片 25">
+            <a:extLst>
+              <a:ext uri="{FF2B5EF4-FFF2-40B4-BE49-F238E27FC236}">
+                <a16:creationId xmlns:a16="http://schemas.microsoft.com/office/drawing/2014/main" id="{E0F2856D-B0D0-AFCE-D63F-5634F1DEDE96}"/>
+              </a:ext>
+            </a:extLst>
+          </p:cNvPr>
+          <p:cNvPicPr>
+            <a:picLocks noChangeAspect="1"/>
+          </p:cNvPicPr>
+          <p:nvPr/>
+        </p:nvPicPr>
+        <p:blipFill>
+          <a:blip r:embed="rId9"/>
+          <a:stretch>
+            <a:fillRect/>
+          </a:stretch>
+        </p:blipFill>
+        <p:spPr>
+          <a:xfrm>
+            <a:off x="5768167" y="2352186"/>
+            <a:ext cx="3528727" cy="2646545"/>
           </a:xfrm>
           <a:prstGeom prst="rect">
             <a:avLst/>
@@ -3608,7 +3795,7 @@
     </p:spTree>
     <p:extLst>
       <p:ext uri="{BB962C8B-B14F-4D97-AF65-F5344CB8AC3E}">
-        <p14:creationId xmlns:p14="http://schemas.microsoft.com/office/powerpoint/2010/main" val="4170749196"/>
+        <p14:creationId xmlns:p14="http://schemas.microsoft.com/office/powerpoint/2010/main" val="1179796083"/>
       </p:ext>
     </p:extLst>
   </p:cSld>
@@ -3640,7 +3827,7 @@
           <p:cNvPr id="2" name="标题 1">
             <a:extLst>
               <a:ext uri="{FF2B5EF4-FFF2-40B4-BE49-F238E27FC236}">
-                <a16:creationId xmlns:a16="http://schemas.microsoft.com/office/drawing/2014/main" id="{935DFDAE-2829-6FC6-2774-CB31DB4298B3}"/>
+                <a16:creationId xmlns:a16="http://schemas.microsoft.com/office/drawing/2014/main" id="{14994511-F129-783F-551E-AAD0B78A0D2C}"/>
               </a:ext>
             </a:extLst>
           </p:cNvPr>
@@ -3656,41 +3843,297 @@
           <a:bodyPr/>
           <a:lstStyle/>
           <a:p>
-            <a:endParaRPr lang="zh-CN" altLang="en-US"/>
-          </a:p>
-        </p:txBody>
-      </p:sp>
-      <p:sp>
-        <p:nvSpPr>
-          <p:cNvPr id="3" name="内容占位符 2">
-            <a:extLst>
-              <a:ext uri="{FF2B5EF4-FFF2-40B4-BE49-F238E27FC236}">
-                <a16:creationId xmlns:a16="http://schemas.microsoft.com/office/drawing/2014/main" id="{7666EB99-1074-DDCD-3746-FB5F18279DE9}"/>
-              </a:ext>
-            </a:extLst>
-          </p:cNvPr>
-          <p:cNvSpPr>
-            <a:spLocks noGrp="1"/>
-          </p:cNvSpPr>
+            <a:endParaRPr lang="zh-CN" altLang="en-US" dirty="0"/>
+          </a:p>
+        </p:txBody>
+      </p:sp>
+      <p:pic>
+        <p:nvPicPr>
+          <p:cNvPr id="9" name="内容占位符 8" descr="图表&#10;&#10;描述已自动生成">
+            <a:extLst>
+              <a:ext uri="{FF2B5EF4-FFF2-40B4-BE49-F238E27FC236}">
+                <a16:creationId xmlns:a16="http://schemas.microsoft.com/office/drawing/2014/main" id="{401D55FB-01D2-C550-6364-7AD31EE78ED3}"/>
+              </a:ext>
+            </a:extLst>
+          </p:cNvPr>
+          <p:cNvPicPr>
+            <a:picLocks noGrp="1" noChangeAspect="1"/>
+          </p:cNvPicPr>
           <p:nvPr>
             <p:ph idx="1"/>
           </p:nvPr>
-        </p:nvSpPr>
-        <p:spPr/>
-        <p:txBody>
-          <a:bodyPr/>
-          <a:lstStyle/>
-          <a:p>
-            <a:endParaRPr lang="zh-CN" altLang="en-US"/>
-          </a:p>
-        </p:txBody>
-      </p:sp>
+        </p:nvPicPr>
+        <p:blipFill>
+          <a:blip r:embed="rId2">
+            <a:extLst>
+              <a:ext uri="{28A0092B-C50C-407E-A947-70E740481C1C}">
+                <a14:useLocalDpi xmlns:a14="http://schemas.microsoft.com/office/drawing/2010/main" val="0"/>
+              </a:ext>
+            </a:extLst>
+          </a:blip>
+          <a:stretch>
+            <a:fillRect/>
+          </a:stretch>
+        </p:blipFill>
+        <p:spPr>
+          <a:xfrm>
+            <a:off x="1123950" y="203925"/>
+            <a:ext cx="3568883" cy="2679838"/>
+          </a:xfrm>
+        </p:spPr>
+      </p:pic>
+      <p:pic>
+        <p:nvPicPr>
+          <p:cNvPr id="11" name="图片 10" descr="图表&#10;&#10;描述已自动生成">
+            <a:extLst>
+              <a:ext uri="{FF2B5EF4-FFF2-40B4-BE49-F238E27FC236}">
+                <a16:creationId xmlns:a16="http://schemas.microsoft.com/office/drawing/2014/main" id="{2B410AFF-BAB3-2C4B-77F8-97427236C593}"/>
+              </a:ext>
+            </a:extLst>
+          </p:cNvPr>
+          <p:cNvPicPr>
+            <a:picLocks noChangeAspect="1"/>
+          </p:cNvPicPr>
+          <p:nvPr/>
+        </p:nvPicPr>
+        <p:blipFill>
+          <a:blip r:embed="rId3">
+            <a:extLst>
+              <a:ext uri="{28A0092B-C50C-407E-A947-70E740481C1C}">
+                <a14:useLocalDpi xmlns:a14="http://schemas.microsoft.com/office/drawing/2010/main" val="0"/>
+              </a:ext>
+            </a:extLst>
+          </a:blip>
+          <a:stretch>
+            <a:fillRect/>
+          </a:stretch>
+        </p:blipFill>
+        <p:spPr>
+          <a:xfrm>
+            <a:off x="4593773" y="292830"/>
+            <a:ext cx="3445809" cy="2590933"/>
+          </a:xfrm>
+          <a:prstGeom prst="rect">
+            <a:avLst/>
+          </a:prstGeom>
+        </p:spPr>
+      </p:pic>
+      <p:pic>
+        <p:nvPicPr>
+          <p:cNvPr id="13" name="图片 12" descr="图表&#10;&#10;描述已自动生成">
+            <a:extLst>
+              <a:ext uri="{FF2B5EF4-FFF2-40B4-BE49-F238E27FC236}">
+                <a16:creationId xmlns:a16="http://schemas.microsoft.com/office/drawing/2014/main" id="{1D968AB3-3393-D4DF-F792-26E6545A4E3E}"/>
+              </a:ext>
+            </a:extLst>
+          </p:cNvPr>
+          <p:cNvPicPr>
+            <a:picLocks noChangeAspect="1"/>
+          </p:cNvPicPr>
+          <p:nvPr/>
+        </p:nvPicPr>
+        <p:blipFill>
+          <a:blip r:embed="rId4">
+            <a:extLst>
+              <a:ext uri="{28A0092B-C50C-407E-A947-70E740481C1C}">
+                <a14:useLocalDpi xmlns:a14="http://schemas.microsoft.com/office/drawing/2010/main" val="0"/>
+              </a:ext>
+            </a:extLst>
+          </a:blip>
+          <a:stretch>
+            <a:fillRect/>
+          </a:stretch>
+        </p:blipFill>
+        <p:spPr>
+          <a:xfrm>
+            <a:off x="1123949" y="2883763"/>
+            <a:ext cx="3568883" cy="2679838"/>
+          </a:xfrm>
+          <a:prstGeom prst="rect">
+            <a:avLst/>
+          </a:prstGeom>
+        </p:spPr>
+      </p:pic>
+      <p:pic>
+        <p:nvPicPr>
+          <p:cNvPr id="15" name="图片 14" descr="图表&#10;&#10;描述已自动生成">
+            <a:extLst>
+              <a:ext uri="{FF2B5EF4-FFF2-40B4-BE49-F238E27FC236}">
+                <a16:creationId xmlns:a16="http://schemas.microsoft.com/office/drawing/2014/main" id="{03E26536-0041-3C48-6DCF-9AD06AE62AE3}"/>
+              </a:ext>
+            </a:extLst>
+          </p:cNvPr>
+          <p:cNvPicPr>
+            <a:picLocks noChangeAspect="1"/>
+          </p:cNvPicPr>
+          <p:nvPr/>
+        </p:nvPicPr>
+        <p:blipFill>
+          <a:blip r:embed="rId5">
+            <a:extLst>
+              <a:ext uri="{28A0092B-C50C-407E-A947-70E740481C1C}">
+                <a14:useLocalDpi xmlns:a14="http://schemas.microsoft.com/office/drawing/2010/main" val="0"/>
+              </a:ext>
+            </a:extLst>
+          </a:blip>
+          <a:stretch>
+            <a:fillRect/>
+          </a:stretch>
+        </p:blipFill>
+        <p:spPr>
+          <a:xfrm>
+            <a:off x="4593773" y="2883763"/>
+            <a:ext cx="3564048" cy="2679838"/>
+          </a:xfrm>
+          <a:prstGeom prst="rect">
+            <a:avLst/>
+          </a:prstGeom>
+        </p:spPr>
+      </p:pic>
+      <p:pic>
+        <p:nvPicPr>
+          <p:cNvPr id="17" name="图片 16" descr="图表, 箱线图&#10;&#10;描述已自动生成">
+            <a:extLst>
+              <a:ext uri="{FF2B5EF4-FFF2-40B4-BE49-F238E27FC236}">
+                <a16:creationId xmlns:a16="http://schemas.microsoft.com/office/drawing/2014/main" id="{98212E14-6C97-1ACE-CFDA-339C9E392DCB}"/>
+              </a:ext>
+            </a:extLst>
+          </p:cNvPr>
+          <p:cNvPicPr>
+            <a:picLocks noChangeAspect="1"/>
+          </p:cNvPicPr>
+          <p:nvPr/>
+        </p:nvPicPr>
+        <p:blipFill>
+          <a:blip r:embed="rId6">
+            <a:extLst>
+              <a:ext uri="{28A0092B-C50C-407E-A947-70E740481C1C}">
+                <a14:useLocalDpi xmlns:a14="http://schemas.microsoft.com/office/drawing/2010/main" val="0"/>
+              </a:ext>
+            </a:extLst>
+          </a:blip>
+          <a:stretch>
+            <a:fillRect/>
+          </a:stretch>
+        </p:blipFill>
+        <p:spPr>
+          <a:xfrm>
+            <a:off x="4556364" y="5499030"/>
+            <a:ext cx="3619686" cy="2717940"/>
+          </a:xfrm>
+          <a:prstGeom prst="rect">
+            <a:avLst/>
+          </a:prstGeom>
+        </p:spPr>
+      </p:pic>
+      <p:pic>
+        <p:nvPicPr>
+          <p:cNvPr id="19" name="图片 18" descr="图表&#10;&#10;低可信度描述已自动生成">
+            <a:extLst>
+              <a:ext uri="{FF2B5EF4-FFF2-40B4-BE49-F238E27FC236}">
+                <a16:creationId xmlns:a16="http://schemas.microsoft.com/office/drawing/2014/main" id="{0E1868F7-7C4E-C544-4F15-2733C749B6EB}"/>
+              </a:ext>
+            </a:extLst>
+          </p:cNvPr>
+          <p:cNvPicPr>
+            <a:picLocks noChangeAspect="1"/>
+          </p:cNvPicPr>
+          <p:nvPr/>
+        </p:nvPicPr>
+        <p:blipFill>
+          <a:blip r:embed="rId7">
+            <a:extLst>
+              <a:ext uri="{28A0092B-C50C-407E-A947-70E740481C1C}">
+                <a14:useLocalDpi xmlns:a14="http://schemas.microsoft.com/office/drawing/2010/main" val="0"/>
+              </a:ext>
+            </a:extLst>
+          </a:blip>
+          <a:stretch>
+            <a:fillRect/>
+          </a:stretch>
+        </p:blipFill>
+        <p:spPr>
+          <a:xfrm>
+            <a:off x="1086539" y="5558464"/>
+            <a:ext cx="3564048" cy="2669649"/>
+          </a:xfrm>
+          <a:prstGeom prst="rect">
+            <a:avLst/>
+          </a:prstGeom>
+        </p:spPr>
+      </p:pic>
+      <p:sp>
+        <p:nvSpPr>
+          <p:cNvPr id="20" name="文本框 19">
+            <a:extLst>
+              <a:ext uri="{FF2B5EF4-FFF2-40B4-BE49-F238E27FC236}">
+                <a16:creationId xmlns:a16="http://schemas.microsoft.com/office/drawing/2014/main" id="{9FCB852D-0D77-2A51-C5C6-07582F8EC08E}"/>
+              </a:ext>
+            </a:extLst>
+          </p:cNvPr>
+          <p:cNvSpPr txBox="1"/>
+          <p:nvPr/>
+        </p:nvSpPr>
+        <p:spPr>
+          <a:xfrm>
+            <a:off x="8039582" y="2308860"/>
+            <a:ext cx="3676168" cy="646331"/>
+          </a:xfrm>
+          <a:prstGeom prst="rect">
+            <a:avLst/>
+          </a:prstGeom>
+          <a:noFill/>
+        </p:spPr>
+        <p:txBody>
+          <a:bodyPr wrap="square" rtlCol="0">
+            <a:spAutoFit/>
+          </a:bodyPr>
+          <a:lstStyle/>
+          <a:p>
+            <a:r>
+              <a:rPr lang="en-US" altLang="zh-CN" dirty="0"/>
+              <a:t>X:gas fraction of mataerial0, Y gas fraction of material1</a:t>
+            </a:r>
+            <a:endParaRPr lang="zh-CN" altLang="en-US" dirty="0"/>
+          </a:p>
+        </p:txBody>
+      </p:sp>
+    </p:spTree>
+    <p:extLst>
+      <p:ext uri="{BB962C8B-B14F-4D97-AF65-F5344CB8AC3E}">
+        <p14:creationId xmlns:p14="http://schemas.microsoft.com/office/powerpoint/2010/main" val="1726529666"/>
+      </p:ext>
+    </p:extLst>
+  </p:cSld>
+  <p:clrMapOvr>
+    <a:masterClrMapping/>
+  </p:clrMapOvr>
+</p:sld>
+</file>
+
+<file path=ppt/slides/slide4.xml><?xml version="1.0" encoding="utf-8"?>
+<p:sld xmlns:a="http://schemas.openxmlformats.org/drawingml/2006/main" xmlns:r="http://schemas.openxmlformats.org/officeDocument/2006/relationships" xmlns:p="http://schemas.openxmlformats.org/presentationml/2006/main">
+  <p:cSld>
+    <p:spTree>
+      <p:nvGrpSpPr>
+        <p:cNvPr id="1" name=""/>
+        <p:cNvGrpSpPr/>
+        <p:nvPr/>
+      </p:nvGrpSpPr>
+      <p:grpSpPr>
+        <a:xfrm>
+          <a:off x="0" y="0"/>
+          <a:ext cx="0" cy="0"/>
+          <a:chOff x="0" y="0"/>
+          <a:chExt cx="0" cy="0"/>
+        </a:xfrm>
+      </p:grpSpPr>
       <p:pic>
         <p:nvPicPr>
           <p:cNvPr id="5" name="图片 4">
             <a:extLst>
               <a:ext uri="{FF2B5EF4-FFF2-40B4-BE49-F238E27FC236}">
-                <a16:creationId xmlns:a16="http://schemas.microsoft.com/office/drawing/2014/main" id="{35251799-65FD-8A78-026B-D2A07B04F491}"/>
+                <a16:creationId xmlns:a16="http://schemas.microsoft.com/office/drawing/2014/main" id="{DFDF65C4-EB67-D0CE-51DB-D50012DA8E56}"/>
               </a:ext>
             </a:extLst>
           </p:cNvPr>
@@ -3707,8 +4150,98 @@
         </p:blipFill>
         <p:spPr>
           <a:xfrm>
-            <a:off x="525780" y="0"/>
-            <a:ext cx="8401050" cy="3851910"/>
+            <a:off x="84841" y="216401"/>
+            <a:ext cx="5344409" cy="3212599"/>
+          </a:xfrm>
+          <a:prstGeom prst="rect">
+            <a:avLst/>
+          </a:prstGeom>
+        </p:spPr>
+      </p:pic>
+      <p:pic>
+        <p:nvPicPr>
+          <p:cNvPr id="7" name="图片 6">
+            <a:extLst>
+              <a:ext uri="{FF2B5EF4-FFF2-40B4-BE49-F238E27FC236}">
+                <a16:creationId xmlns:a16="http://schemas.microsoft.com/office/drawing/2014/main" id="{F8A71598-92B6-D120-3CE0-3780AB9B5856}"/>
+              </a:ext>
+            </a:extLst>
+          </p:cNvPr>
+          <p:cNvPicPr>
+            <a:picLocks noChangeAspect="1"/>
+          </p:cNvPicPr>
+          <p:nvPr/>
+        </p:nvPicPr>
+        <p:blipFill>
+          <a:blip r:embed="rId3"/>
+          <a:stretch>
+            <a:fillRect/>
+          </a:stretch>
+        </p:blipFill>
+        <p:spPr>
+          <a:xfrm>
+            <a:off x="5429250" y="0"/>
+            <a:ext cx="6041669" cy="3624079"/>
+          </a:xfrm>
+          <a:prstGeom prst="rect">
+            <a:avLst/>
+          </a:prstGeom>
+        </p:spPr>
+      </p:pic>
+      <p:pic>
+        <p:nvPicPr>
+          <p:cNvPr id="13" name="图片 12">
+            <a:extLst>
+              <a:ext uri="{FF2B5EF4-FFF2-40B4-BE49-F238E27FC236}">
+                <a16:creationId xmlns:a16="http://schemas.microsoft.com/office/drawing/2014/main" id="{96C323F0-1CBF-1D38-7B37-79038BC20C8C}"/>
+              </a:ext>
+            </a:extLst>
+          </p:cNvPr>
+          <p:cNvPicPr>
+            <a:picLocks noChangeAspect="1"/>
+          </p:cNvPicPr>
+          <p:nvPr/>
+        </p:nvPicPr>
+        <p:blipFill>
+          <a:blip r:embed="rId4"/>
+          <a:stretch>
+            <a:fillRect/>
+          </a:stretch>
+        </p:blipFill>
+        <p:spPr>
+          <a:xfrm>
+            <a:off x="84841" y="3520440"/>
+            <a:ext cx="4677217" cy="2937661"/>
+          </a:xfrm>
+          <a:prstGeom prst="rect">
+            <a:avLst/>
+          </a:prstGeom>
+        </p:spPr>
+      </p:pic>
+      <p:pic>
+        <p:nvPicPr>
+          <p:cNvPr id="15" name="图片 14">
+            <a:extLst>
+              <a:ext uri="{FF2B5EF4-FFF2-40B4-BE49-F238E27FC236}">
+                <a16:creationId xmlns:a16="http://schemas.microsoft.com/office/drawing/2014/main" id="{39762A84-6E0C-9B75-4E48-123974C1A06C}"/>
+              </a:ext>
+            </a:extLst>
+          </p:cNvPr>
+          <p:cNvPicPr>
+            <a:picLocks noChangeAspect="1"/>
+          </p:cNvPicPr>
+          <p:nvPr/>
+        </p:nvPicPr>
+        <p:blipFill>
+          <a:blip r:embed="rId5"/>
+          <a:stretch>
+            <a:fillRect/>
+          </a:stretch>
+        </p:blipFill>
+        <p:spPr>
+          <a:xfrm>
+            <a:off x="5298278" y="3491993"/>
+            <a:ext cx="4677218" cy="3103575"/>
           </a:xfrm>
           <a:prstGeom prst="rect">
             <a:avLst/>
@@ -3718,7 +4251,171 @@
     </p:spTree>
     <p:extLst>
       <p:ext uri="{BB962C8B-B14F-4D97-AF65-F5344CB8AC3E}">
-        <p14:creationId xmlns:p14="http://schemas.microsoft.com/office/powerpoint/2010/main" val="1179796083"/>
+        <p14:creationId xmlns:p14="http://schemas.microsoft.com/office/powerpoint/2010/main" val="268496654"/>
+      </p:ext>
+    </p:extLst>
+  </p:cSld>
+  <p:clrMapOvr>
+    <a:masterClrMapping/>
+  </p:clrMapOvr>
+</p:sld>
+</file>
+
+<file path=ppt/slides/slide5.xml><?xml version="1.0" encoding="utf-8"?>
+<p:sld xmlns:a="http://schemas.openxmlformats.org/drawingml/2006/main" xmlns:r="http://schemas.openxmlformats.org/officeDocument/2006/relationships" xmlns:p="http://schemas.openxmlformats.org/presentationml/2006/main">
+  <p:cSld>
+    <p:spTree>
+      <p:nvGrpSpPr>
+        <p:cNvPr id="1" name=""/>
+        <p:cNvGrpSpPr/>
+        <p:nvPr/>
+      </p:nvGrpSpPr>
+      <p:grpSpPr>
+        <a:xfrm>
+          <a:off x="0" y="0"/>
+          <a:ext cx="0" cy="0"/>
+          <a:chOff x="0" y="0"/>
+          <a:chExt cx="0" cy="0"/>
+        </a:xfrm>
+      </p:grpSpPr>
+      <p:sp>
+        <p:nvSpPr>
+          <p:cNvPr id="2" name="标题 1">
+            <a:extLst>
+              <a:ext uri="{FF2B5EF4-FFF2-40B4-BE49-F238E27FC236}">
+                <a16:creationId xmlns:a16="http://schemas.microsoft.com/office/drawing/2014/main" id="{87197B73-F763-FFBE-42DB-1A211613DC18}"/>
+              </a:ext>
+            </a:extLst>
+          </p:cNvPr>
+          <p:cNvSpPr>
+            <a:spLocks noGrp="1"/>
+          </p:cNvSpPr>
+          <p:nvPr>
+            <p:ph type="title"/>
+          </p:nvPr>
+        </p:nvSpPr>
+        <p:spPr/>
+        <p:txBody>
+          <a:bodyPr/>
+          <a:lstStyle/>
+          <a:p>
+            <a:endParaRPr lang="zh-CN" altLang="en-US"/>
+          </a:p>
+        </p:txBody>
+      </p:sp>
+      <p:pic>
+        <p:nvPicPr>
+          <p:cNvPr id="5" name="内容占位符 4">
+            <a:extLst>
+              <a:ext uri="{FF2B5EF4-FFF2-40B4-BE49-F238E27FC236}">
+                <a16:creationId xmlns:a16="http://schemas.microsoft.com/office/drawing/2014/main" id="{D05B3BB5-84FF-54EC-FBF6-45DF08A4D222}"/>
+              </a:ext>
+            </a:extLst>
+          </p:cNvPr>
+          <p:cNvPicPr>
+            <a:picLocks noGrp="1" noChangeAspect="1"/>
+          </p:cNvPicPr>
+          <p:nvPr>
+            <p:ph idx="1"/>
+          </p:nvPr>
+        </p:nvPicPr>
+        <p:blipFill>
+          <a:blip r:embed="rId2"/>
+          <a:stretch>
+            <a:fillRect/>
+          </a:stretch>
+        </p:blipFill>
+        <p:spPr>
+          <a:xfrm>
+            <a:off x="940837" y="2141537"/>
+            <a:ext cx="8789702" cy="4351338"/>
+          </a:xfrm>
+        </p:spPr>
+      </p:pic>
+    </p:spTree>
+    <p:extLst>
+      <p:ext uri="{BB962C8B-B14F-4D97-AF65-F5344CB8AC3E}">
+        <p14:creationId xmlns:p14="http://schemas.microsoft.com/office/powerpoint/2010/main" val="3774691208"/>
+      </p:ext>
+    </p:extLst>
+  </p:cSld>
+  <p:clrMapOvr>
+    <a:masterClrMapping/>
+  </p:clrMapOvr>
+</p:sld>
+</file>
+
+<file path=ppt/slides/slide6.xml><?xml version="1.0" encoding="utf-8"?>
+<p:sld xmlns:a="http://schemas.openxmlformats.org/drawingml/2006/main" xmlns:r="http://schemas.openxmlformats.org/officeDocument/2006/relationships" xmlns:p="http://schemas.openxmlformats.org/presentationml/2006/main">
+  <p:cSld>
+    <p:spTree>
+      <p:nvGrpSpPr>
+        <p:cNvPr id="1" name=""/>
+        <p:cNvGrpSpPr/>
+        <p:nvPr/>
+      </p:nvGrpSpPr>
+      <p:grpSpPr>
+        <a:xfrm>
+          <a:off x="0" y="0"/>
+          <a:ext cx="0" cy="0"/>
+          <a:chOff x="0" y="0"/>
+          <a:chExt cx="0" cy="0"/>
+        </a:xfrm>
+      </p:grpSpPr>
+      <p:sp>
+        <p:nvSpPr>
+          <p:cNvPr id="2" name="标题 1">
+            <a:extLst>
+              <a:ext uri="{FF2B5EF4-FFF2-40B4-BE49-F238E27FC236}">
+                <a16:creationId xmlns:a16="http://schemas.microsoft.com/office/drawing/2014/main" id="{6F69D5D2-0BAD-F6A3-2CA1-CA5877948F23}"/>
+              </a:ext>
+            </a:extLst>
+          </p:cNvPr>
+          <p:cNvSpPr>
+            <a:spLocks noGrp="1"/>
+          </p:cNvSpPr>
+          <p:nvPr>
+            <p:ph type="title"/>
+          </p:nvPr>
+        </p:nvSpPr>
+        <p:spPr/>
+        <p:txBody>
+          <a:bodyPr/>
+          <a:lstStyle/>
+          <a:p>
+            <a:endParaRPr lang="zh-CN" altLang="en-US"/>
+          </a:p>
+        </p:txBody>
+      </p:sp>
+      <p:sp>
+        <p:nvSpPr>
+          <p:cNvPr id="7" name="内容占位符 6">
+            <a:extLst>
+              <a:ext uri="{FF2B5EF4-FFF2-40B4-BE49-F238E27FC236}">
+                <a16:creationId xmlns:a16="http://schemas.microsoft.com/office/drawing/2014/main" id="{CED0CFF3-6E53-963B-9B22-B80958DBD5C4}"/>
+              </a:ext>
+            </a:extLst>
+          </p:cNvPr>
+          <p:cNvSpPr>
+            <a:spLocks noGrp="1"/>
+          </p:cNvSpPr>
+          <p:nvPr>
+            <p:ph idx="1"/>
+          </p:nvPr>
+        </p:nvSpPr>
+        <p:spPr/>
+        <p:txBody>
+          <a:bodyPr/>
+          <a:lstStyle/>
+          <a:p>
+            <a:endParaRPr lang="zh-CN" altLang="en-US"/>
+          </a:p>
+        </p:txBody>
+      </p:sp>
+    </p:spTree>
+    <p:extLst>
+      <p:ext uri="{BB962C8B-B14F-4D97-AF65-F5344CB8AC3E}">
+        <p14:creationId xmlns:p14="http://schemas.microsoft.com/office/powerpoint/2010/main" val="3129310500"/>
       </p:ext>
     </p:extLst>
   </p:cSld>
